--- a/Documents/Temporary_Documents/قالب-پوستر-کارآموزی.pptx
+++ b/Documents/Temporary_Documents/قالب-پوستر-کارآموزی.pptx
@@ -2501,8 +2501,8 @@
         </p:nvSpPr>
         <p:spPr>
           <a:xfrm>
-            <a:off x="7674590" y="4943513"/>
-            <a:ext cx="6109934" cy="18038996"/>
+            <a:off x="7674590" y="4548461"/>
+            <a:ext cx="6109934" cy="20137724"/>
           </a:xfrm>
           <a:prstGeom prst="rect">
             <a:avLst/>
@@ -2545,7 +2545,7 @@
               <a:rPr lang="fa-IR" sz="3600" dirty="0" smtClean="0">
                 <a:cs typeface="B Nazanin" panose="00000400000000000000" pitchFamily="2" charset="-78"/>
               </a:rPr>
-              <a:t>بعد از طراحی ضرب کننده، ما اقدام به طراحی یک پروسسور 32 بیتی با معماری </a:t>
+              <a:t> بعد از طراحی ضرب کننده، ما اقدام به طراحی یک پروسسور 32 بیتی با معماری </a:t>
             </a:r>
             <a:r>
               <a:rPr lang="en-US" sz="3600" dirty="0" smtClean="0">
@@ -2559,6 +2559,15 @@
               </a:rPr>
               <a:t> کردیم که از مزیای طراحی ماژولار، پایپلاین 5 مرحله ای و واحد کنترل غیر متمرکز بهره می‌برد که باعث دسترسی به فرکانس </a:t>
             </a:r>
+            <a:r>
+              <a:rPr lang="fa-IR" sz="3600" dirty="0" smtClean="0">
+                <a:cs typeface="B Nazanin" panose="00000400000000000000" pitchFamily="2" charset="-78"/>
+              </a:rPr>
+              <a:t>250 مگاهرتزی در پردازنده شد که عدد قابل قول و مناسبی برای پروسسور های مصرفی در پروژه های میکروکنترلری و سیستم های نهفته می‌باشد. در نهایت ضرب کننده تقریبی در معماری پردازنده طراحی شده، قرار گرفته شد و مورد استفاده قرار گرفت.</a:t>
+            </a:r>
+            <a:endParaRPr lang="fa-IR" sz="3600" dirty="0" smtClean="0">
+              <a:cs typeface="B Nazanin" panose="00000400000000000000" pitchFamily="2" charset="-78"/>
+            </a:endParaRPr>
           </a:p>
           <a:p>
             <a:pPr marL="228609" indent="-228609" algn="just" rtl="1">
@@ -2874,8 +2883,8 @@
         </p:nvSpPr>
         <p:spPr>
           <a:xfrm>
-            <a:off x="744930" y="4914325"/>
-            <a:ext cx="6111749" cy="10817586"/>
+            <a:off x="744930" y="4548460"/>
+            <a:ext cx="6111749" cy="12595837"/>
           </a:xfrm>
           <a:prstGeom prst="rect">
             <a:avLst/>
@@ -2897,11 +2906,20 @@
               <a:buChar char="•"/>
             </a:pPr>
             <a:r>
-              <a:rPr lang="fa-IR" sz="3600" dirty="0">
-                <a:cs typeface="B Nazanin" panose="00000400000000000000" pitchFamily="2" charset="-78"/>
-              </a:rPr>
-              <a:t>طراحی نرم افزار ....</a:t>
-            </a:r>
+              <a:rPr lang="en-US" sz="3600" dirty="0" smtClean="0">
+                <a:cs typeface="B Nazanin" panose="00000400000000000000" pitchFamily="2" charset="-78"/>
+              </a:rPr>
+              <a:t> </a:t>
+            </a:r>
+            <a:r>
+              <a:rPr lang="fa-IR" sz="3600" dirty="0" smtClean="0">
+                <a:cs typeface="B Nazanin" panose="00000400000000000000" pitchFamily="2" charset="-78"/>
+              </a:rPr>
+              <a:t>طراحی مدار ضرب کننده تقریبی با خطای قابل کنترل</a:t>
+            </a:r>
+            <a:endParaRPr lang="fa-IR" sz="3600" dirty="0">
+              <a:cs typeface="B Nazanin" panose="00000400000000000000" pitchFamily="2" charset="-78"/>
+            </a:endParaRPr>
           </a:p>
           <a:p>
             <a:pPr marL="228609" indent="-228609" algn="just" rtl="1">
@@ -2912,10 +2930,10 @@
               <a:buChar char="•"/>
             </a:pPr>
             <a:r>
-              <a:rPr lang="fa-IR" sz="3600" dirty="0">
-                <a:cs typeface="B Nazanin" panose="00000400000000000000" pitchFamily="2" charset="-78"/>
-              </a:rPr>
-              <a:t>استفاده از روش ...</a:t>
+              <a:rPr lang="fa-IR" sz="3600" dirty="0" smtClean="0">
+                <a:cs typeface="B Nazanin" panose="00000400000000000000" pitchFamily="2" charset="-78"/>
+              </a:rPr>
+              <a:t> بررسی ضرب کننده در الگوریتم پردازش تصویر و مقایسه نتیج با مقالات معتبر</a:t>
             </a:r>
           </a:p>
           <a:p>
@@ -2926,16 +2944,177 @@
               <a:buFont typeface="Arial" panose="020B0604020202020204" pitchFamily="34" charset="0"/>
               <a:buChar char="•"/>
             </a:pPr>
+            <a:r>
+              <a:rPr lang="fa-IR" sz="3600" dirty="0">
+                <a:cs typeface="B Nazanin" panose="00000400000000000000" pitchFamily="2" charset="-78"/>
+              </a:rPr>
+              <a:t> </a:t>
+            </a:r>
+            <a:r>
+              <a:rPr lang="fa-IR" sz="3600" dirty="0" smtClean="0">
+                <a:cs typeface="B Nazanin" panose="00000400000000000000" pitchFamily="2" charset="-78"/>
+              </a:rPr>
+              <a:t>طراحی و رسم بلوک دیاگرام پردازنده</a:t>
+            </a:r>
+          </a:p>
+          <a:p>
+            <a:pPr marL="228609" indent="-228609" algn="just" rtl="1">
+              <a:lnSpc>
+                <a:spcPct val="114000"/>
+              </a:lnSpc>
+              <a:buFont typeface="Arial" panose="020B0604020202020204" pitchFamily="34" charset="0"/>
+              <a:buChar char="•"/>
+            </a:pPr>
+            <a:r>
+              <a:rPr lang="fa-IR" sz="3600" dirty="0">
+                <a:cs typeface="B Nazanin" panose="00000400000000000000" pitchFamily="2" charset="-78"/>
+              </a:rPr>
+              <a:t> </a:t>
+            </a:r>
+            <a:r>
+              <a:rPr lang="fa-IR" sz="3600" dirty="0" smtClean="0">
+                <a:cs typeface="B Nazanin" panose="00000400000000000000" pitchFamily="2" charset="-78"/>
+              </a:rPr>
+              <a:t>طراحی پردازنده کامل به همراه ضرب کننده تقریبی با خطای قابل کنترل با استفاده از زبان توصیف سخ</a:t>
+            </a:r>
+            <a:r>
+              <a:rPr lang="fa-IR" sz="3600" dirty="0">
+                <a:cs typeface="B Nazanin" panose="00000400000000000000" pitchFamily="2" charset="-78"/>
+              </a:rPr>
+              <a:t>ت</a:t>
+            </a:r>
+            <a:r>
+              <a:rPr lang="fa-IR" sz="3600" dirty="0" smtClean="0">
+                <a:cs typeface="B Nazanin" panose="00000400000000000000" pitchFamily="2" charset="-78"/>
+              </a:rPr>
+              <a:t> فزار </a:t>
+            </a:r>
+            <a:r>
+              <a:rPr lang="en-US" sz="3600" dirty="0" smtClean="0">
+                <a:cs typeface="B Nazanin" panose="00000400000000000000" pitchFamily="2" charset="-78"/>
+              </a:rPr>
+              <a:t>Verilog</a:t>
+            </a:r>
+            <a:endParaRPr lang="fa-IR" sz="3600" dirty="0" smtClean="0">
+              <a:cs typeface="B Nazanin" panose="00000400000000000000" pitchFamily="2" charset="-78"/>
+            </a:endParaRPr>
+          </a:p>
+          <a:p>
+            <a:pPr marL="228609" indent="-228609" algn="just" rtl="1">
+              <a:lnSpc>
+                <a:spcPct val="114000"/>
+              </a:lnSpc>
+              <a:buFont typeface="Arial" panose="020B0604020202020204" pitchFamily="34" charset="0"/>
+              <a:buChar char="•"/>
+            </a:pPr>
+            <a:r>
+              <a:rPr lang="fa-IR" sz="3600" dirty="0">
+                <a:cs typeface="B Nazanin" panose="00000400000000000000" pitchFamily="2" charset="-78"/>
+              </a:rPr>
+              <a:t> </a:t>
+            </a:r>
+            <a:r>
+              <a:rPr lang="fa-IR" sz="3600" dirty="0" smtClean="0">
+                <a:cs typeface="B Nazanin" panose="00000400000000000000" pitchFamily="2" charset="-78"/>
+              </a:rPr>
+              <a:t>تست و شبیه سازی پردازنده با اجرای برنامه های مختلف به زبان اسمبلی</a:t>
+            </a:r>
+          </a:p>
+          <a:p>
+            <a:pPr marL="228609" indent="-228609" algn="just" rtl="1">
+              <a:lnSpc>
+                <a:spcPct val="114000"/>
+              </a:lnSpc>
+              <a:buFont typeface="Arial" panose="020B0604020202020204" pitchFamily="34" charset="0"/>
+              <a:buChar char="•"/>
+            </a:pPr>
+            <a:r>
+              <a:rPr lang="fa-IR" sz="3600" dirty="0">
+                <a:cs typeface="B Nazanin" panose="00000400000000000000" pitchFamily="2" charset="-78"/>
+              </a:rPr>
+              <a:t> </a:t>
+            </a:r>
+            <a:r>
+              <a:rPr lang="fa-IR" sz="3600" dirty="0" smtClean="0">
+                <a:cs typeface="B Nazanin" panose="00000400000000000000" pitchFamily="2" charset="-78"/>
+              </a:rPr>
+              <a:t>تطبیق پردازنده با کامپایلر استاندارد </a:t>
+            </a:r>
+            <a:r>
+              <a:rPr lang="en-US" sz="3600" dirty="0" smtClean="0">
+                <a:cs typeface="B Nazanin" panose="00000400000000000000" pitchFamily="2" charset="-78"/>
+              </a:rPr>
+              <a:t>GCC</a:t>
+            </a:r>
+            <a:r>
+              <a:rPr lang="fa-IR" sz="3600" dirty="0" smtClean="0">
+                <a:cs typeface="B Nazanin" panose="00000400000000000000" pitchFamily="2" charset="-78"/>
+              </a:rPr>
+              <a:t> برای اجرای برنامه به زبان </a:t>
+            </a:r>
+            <a:r>
+              <a:rPr lang="en-US" sz="3600" dirty="0" smtClean="0">
+                <a:cs typeface="B Nazanin" panose="00000400000000000000" pitchFamily="2" charset="-78"/>
+              </a:rPr>
+              <a:t>C</a:t>
+            </a:r>
             <a:endParaRPr lang="fa-IR" sz="3600" dirty="0">
               <a:cs typeface="B Nazanin" panose="00000400000000000000" pitchFamily="2" charset="-78"/>
             </a:endParaRPr>
           </a:p>
           <a:p>
-            <a:pPr>
+            <a:pPr marL="228609" indent="-228609" algn="just" rtl="1">
               <a:lnSpc>
-                <a:spcPct val="115000"/>
+                <a:spcPct val="114000"/>
               </a:lnSpc>
+              <a:buFont typeface="Arial" panose="020B0604020202020204" pitchFamily="34" charset="0"/>
+              <a:buChar char="•"/>
             </a:pPr>
+            <a:r>
+              <a:rPr lang="fa-IR" sz="3600" dirty="0" smtClean="0">
+                <a:cs typeface="B Nazanin" panose="00000400000000000000" pitchFamily="2" charset="-78"/>
+              </a:rPr>
+              <a:t> طراحی و تولید یک نرم افزار کامل جهت اجرای برنامه کاربر به زبان </a:t>
+            </a:r>
+            <a:r>
+              <a:rPr lang="en-US" sz="3600" dirty="0" smtClean="0">
+                <a:cs typeface="B Nazanin" panose="00000400000000000000" pitchFamily="2" charset="-78"/>
+              </a:rPr>
+              <a:t>C</a:t>
+            </a:r>
+            <a:r>
+              <a:rPr lang="fa-IR" sz="3600" dirty="0" smtClean="0">
+                <a:cs typeface="B Nazanin" panose="00000400000000000000" pitchFamily="2" charset="-78"/>
+              </a:rPr>
+              <a:t> و اسمبلی روی پردازنده، منطبق با سیستم هامل های ویندوز و لینوکس</a:t>
+            </a:r>
+          </a:p>
+          <a:p>
+            <a:pPr marL="228609" indent="-228609" algn="just" rtl="1">
+              <a:lnSpc>
+                <a:spcPct val="114000"/>
+              </a:lnSpc>
+              <a:buFont typeface="Arial" panose="020B0604020202020204" pitchFamily="34" charset="0"/>
+              <a:buChar char="•"/>
+            </a:pPr>
+            <a:r>
+              <a:rPr lang="fa-IR" sz="3600" dirty="0">
+                <a:cs typeface="B Nazanin" panose="00000400000000000000" pitchFamily="2" charset="-78"/>
+              </a:rPr>
+              <a:t> </a:t>
+            </a:r>
+            <a:r>
+              <a:rPr lang="fa-IR" sz="3600" dirty="0" smtClean="0">
+                <a:cs typeface="B Nazanin" panose="00000400000000000000" pitchFamily="2" charset="-78"/>
+              </a:rPr>
+              <a:t>سنتز، چیدمان و رسم اتصالات نهایی جهت طراحی فیزیکی </a:t>
+            </a:r>
+            <a:r>
+              <a:rPr lang="fa-IR" sz="3600" smtClean="0">
+                <a:cs typeface="B Nazanin" panose="00000400000000000000" pitchFamily="2" charset="-78"/>
+              </a:rPr>
+              <a:t>تراشه ریزپردازنده</a:t>
+            </a:r>
             <a:endParaRPr lang="fa-IR" sz="3600" dirty="0">
               <a:cs typeface="B Nazanin" panose="00000400000000000000" pitchFamily="2" charset="-78"/>
             </a:endParaRPr>
@@ -3524,7 +3703,7 @@
         </p:nvGrpSpPr>
         <p:grpSpPr>
           <a:xfrm>
-            <a:off x="676895" y="16256304"/>
+            <a:off x="719135" y="17233257"/>
             <a:ext cx="6126480" cy="731520"/>
             <a:chOff x="30117740" y="7058350"/>
             <a:chExt cx="10563480" cy="1021753"/>
@@ -4012,8 +4191,8 @@
         </p:nvSpPr>
         <p:spPr>
           <a:xfrm>
-            <a:off x="777903" y="17067825"/>
-            <a:ext cx="6098005" cy="6490748"/>
+            <a:off x="810238" y="18124032"/>
+            <a:ext cx="6098005" cy="5430316"/>
           </a:xfrm>
           <a:prstGeom prst="rect">
             <a:avLst/>
@@ -4050,7 +4229,7 @@
               </a:rPr>
               <a:t>در زمینه طراحی پردازنده</a:t>
             </a:r>
-            <a:endParaRPr lang="fa-IR" sz="3600" dirty="0" smtClean="0">
+            <a:endParaRPr lang="fa-IR" sz="3600" dirty="0">
               <a:cs typeface="B Nazanin" panose="00000400000000000000" pitchFamily="2" charset="-78"/>
             </a:endParaRPr>
           </a:p>
@@ -4060,16 +4239,6 @@
                 <a:spcPct val="115000"/>
               </a:lnSpc>
             </a:pPr>
-            <a:endParaRPr lang="fa-IR" sz="3600" dirty="0">
-              <a:cs typeface="B Nazanin" panose="00000400000000000000" pitchFamily="2" charset="-78"/>
-            </a:endParaRPr>
-          </a:p>
-          <a:p>
-            <a:pPr algn="just" rtl="1">
-              <a:lnSpc>
-                <a:spcPct val="115000"/>
-              </a:lnSpc>
-            </a:pPr>
             <a:r>
               <a:rPr lang="fa-IR" sz="3600" dirty="0">
                 <a:cs typeface="B Nazanin" panose="00000400000000000000" pitchFamily="2" charset="-78"/>
@@ -4088,16 +4257,6 @@
               </a:rPr>
               <a:t>کشور، در مرحله ساخت و تولید</a:t>
             </a:r>
-            <a:endParaRPr lang="fa-IR" sz="3600" dirty="0" smtClean="0">
-              <a:cs typeface="B Nazanin" panose="00000400000000000000" pitchFamily="2" charset="-78"/>
-            </a:endParaRPr>
-          </a:p>
-          <a:p>
-            <a:pPr algn="just" rtl="1">
-              <a:lnSpc>
-                <a:spcPct val="115000"/>
-              </a:lnSpc>
-            </a:pPr>
             <a:endParaRPr lang="fa-IR" sz="3600" dirty="0">
               <a:cs typeface="B Nazanin" panose="00000400000000000000" pitchFamily="2" charset="-78"/>
             </a:endParaRPr>
@@ -4861,7 +5020,7 @@
         </p:nvSpPr>
         <p:spPr bwMode="auto">
           <a:xfrm>
-            <a:off x="8371932" y="28595514"/>
+            <a:off x="8371931" y="29049883"/>
             <a:ext cx="4715251" cy="579683"/>
           </a:xfrm>
           <a:prstGeom prst="rect">
@@ -5033,7 +5192,7 @@
         </p:nvSpPr>
         <p:spPr>
           <a:xfrm>
-            <a:off x="14644147" y="4943513"/>
+            <a:off x="14644147" y="4802348"/>
             <a:ext cx="5981727" cy="7522977"/>
           </a:xfrm>
           <a:prstGeom prst="rect">
@@ -5326,8 +5485,8 @@
         </p:blipFill>
         <p:spPr>
           <a:xfrm>
-            <a:off x="7559774" y="23154430"/>
-            <a:ext cx="6264697" cy="5154644"/>
+            <a:off x="8033866" y="24686185"/>
+            <a:ext cx="5244572" cy="4315277"/>
           </a:xfrm>
           <a:prstGeom prst="rect">
             <a:avLst/>

--- a/Documents/Temporary_Documents/قالب-پوستر-کارآموزی.pptx
+++ b/Documents/Temporary_Documents/قالب-پوستر-کارآموزی.pptx
@@ -2529,9 +2529,6 @@
               </a:rPr>
               <a:t> محاسبات تقریبی، موضوع جدید و مورد بحثی در طراحی دیجیتال می‌باشد که هدف از بررسی و تحقیق در این زمینه، بهبود سرعت، مساحت و توان مصرفی طرح های دیجیتال مورد استفاده در واحد های پردازشگر می‌باشد. با جایگزینی واحد های محاسباتی تقریبی با میزان خطای منطقی و قابل قبول، به جای واحد های محاسباتی دقیق ما به مزایای دیگری مانند سرعت و یا توان مصرفی کمتر دست پیدا می‌کنیم. بعد از مطالعه مقالات متعدد و تحقیقات در رابطه با عملیات های ریاضی تقریبی که این روزه در پردازنده ها و واحد های پردازشگر هوش مصنوعی و پردازش تصویر استفاده می‌شود، ما اقدام به بهبود یکی از طرح های ارائه شده در مقاله ای بین المللی کردیم و حاصل آن طراحی ضرب کننده جدیدی شد که میزان خطای آن توسط کاربر قابل کنترل می‌باشد.</a:t>
             </a:r>
-            <a:endParaRPr lang="fa-IR" sz="3600" dirty="0" smtClean="0">
-              <a:cs typeface="B Nazanin" panose="00000400000000000000" pitchFamily="2" charset="-78"/>
-            </a:endParaRPr>
           </a:p>
           <a:p>
             <a:pPr marL="228609" indent="-228609" algn="just" rtl="1">
@@ -2557,17 +2554,26 @@
               <a:rPr lang="fa-IR" sz="3600" dirty="0" smtClean="0">
                 <a:cs typeface="B Nazanin" panose="00000400000000000000" pitchFamily="2" charset="-78"/>
               </a:rPr>
-              <a:t> کردیم که از مزیای طراحی ماژولار، پایپلاین 5 مرحله ای و واحد کنترل غیر متمرکز بهره می‌برد که باعث دسترسی به فرکانس </a:t>
+              <a:t> کردیم که از مزیای طراحی ماژولار، پایپلاین 5 مرحله ای و واحد کنترل غیر متمرکز بهره می‌برد که باعث دسترسی به فرکانس 250 مگاهرتزی در پردازنده شد که عدد </a:t>
+            </a:r>
+            <a:r>
+              <a:rPr lang="fa-IR" sz="3600" smtClean="0">
+                <a:cs typeface="B Nazanin" panose="00000400000000000000" pitchFamily="2" charset="-78"/>
+              </a:rPr>
+              <a:t>قابل </a:t>
+            </a:r>
+            <a:r>
+              <a:rPr lang="fa-IR" sz="3600" smtClean="0">
+                <a:cs typeface="B Nazanin" panose="00000400000000000000" pitchFamily="2" charset="-78"/>
+              </a:rPr>
+              <a:t>قبول </a:t>
             </a:r>
             <a:r>
               <a:rPr lang="fa-IR" sz="3600" dirty="0" smtClean="0">
                 <a:cs typeface="B Nazanin" panose="00000400000000000000" pitchFamily="2" charset="-78"/>
               </a:rPr>
-              <a:t>250 مگاهرتزی در پردازنده شد که عدد قابل قول و مناسبی برای پروسسور های مصرفی در پروژه های میکروکنترلری و سیستم های نهفته می‌باشد. در نهایت ضرب کننده تقریبی در معماری پردازنده طراحی شده، قرار گرفته شد و مورد استفاده قرار گرفت.</a:t>
-            </a:r>
-            <a:endParaRPr lang="fa-IR" sz="3600" dirty="0" smtClean="0">
-              <a:cs typeface="B Nazanin" panose="00000400000000000000" pitchFamily="2" charset="-78"/>
-            </a:endParaRPr>
+              <a:t>و مناسبی برای پروسسور های مصرفی در پروژه های میکروکنترلری و سیستم های نهفته می‌باشد. در نهایت ضرب کننده تقریبی در معماری پردازنده طراحی شده، قرار گرفته شد و مورد استفاده قرار گرفت.</a:t>
+            </a:r>
           </a:p>
           <a:p>
             <a:pPr marL="228609" indent="-228609" algn="just" rtl="1">
@@ -3086,7 +3092,19 @@
               <a:rPr lang="fa-IR" sz="3600" dirty="0" smtClean="0">
                 <a:cs typeface="B Nazanin" panose="00000400000000000000" pitchFamily="2" charset="-78"/>
               </a:rPr>
-              <a:t> و اسمبلی روی پردازنده، منطبق با سیستم هامل های ویندوز و لینوکس</a:t>
+              <a:t> و اسمبلی روی پردازنده، منطبق با سیستم </a:t>
+            </a:r>
+            <a:r>
+              <a:rPr lang="fa-IR" sz="3600" dirty="0" smtClean="0">
+                <a:cs typeface="B Nazanin" panose="00000400000000000000" pitchFamily="2" charset="-78"/>
+              </a:rPr>
+              <a:t>عامل </a:t>
+            </a:r>
+            <a:r>
+              <a:rPr lang="fa-IR" sz="3600" dirty="0" smtClean="0">
+                <a:cs typeface="B Nazanin" panose="00000400000000000000" pitchFamily="2" charset="-78"/>
+              </a:rPr>
+              <a:t>های ویندوز و لینوکس</a:t>
             </a:r>
           </a:p>
           <a:p>
@@ -3107,13 +3125,7 @@
               <a:rPr lang="fa-IR" sz="3600" dirty="0" smtClean="0">
                 <a:cs typeface="B Nazanin" panose="00000400000000000000" pitchFamily="2" charset="-78"/>
               </a:rPr>
-              <a:t>سنتز، چیدمان و رسم اتصالات نهایی جهت طراحی فیزیکی </a:t>
-            </a:r>
-            <a:r>
-              <a:rPr lang="fa-IR" sz="3600" smtClean="0">
-                <a:cs typeface="B Nazanin" panose="00000400000000000000" pitchFamily="2" charset="-78"/>
-              </a:rPr>
-              <a:t>تراشه ریزپردازنده</a:t>
+              <a:t>سنتز، چیدمان و رسم اتصالات نهایی جهت طراحی فیزیکی تراشه ریزپردازنده</a:t>
             </a:r>
             <a:endParaRPr lang="fa-IR" sz="3600" dirty="0">
               <a:cs typeface="B Nazanin" panose="00000400000000000000" pitchFamily="2" charset="-78"/>
@@ -4221,13 +4233,7 @@
               <a:rPr lang="fa-IR" sz="3600" dirty="0" smtClean="0">
                 <a:cs typeface="B Nazanin" panose="00000400000000000000" pitchFamily="2" charset="-78"/>
               </a:rPr>
-              <a:t>کمبود منابع و مراجع آموزشی کامل و رایگان </a:t>
-            </a:r>
-            <a:r>
-              <a:rPr lang="fa-IR" sz="3600" dirty="0" smtClean="0">
-                <a:cs typeface="B Nazanin" panose="00000400000000000000" pitchFamily="2" charset="-78"/>
-              </a:rPr>
-              <a:t>در زمینه طراحی پردازنده</a:t>
+              <a:t>کمبود منابع و مراجع آموزشی کامل و رایگان در زمینه طراحی پردازنده</a:t>
             </a:r>
             <a:endParaRPr lang="fa-IR" sz="3600" dirty="0">
               <a:cs typeface="B Nazanin" panose="00000400000000000000" pitchFamily="2" charset="-78"/>
@@ -4249,13 +4255,7 @@
               <a:rPr lang="fa-IR" sz="3600" dirty="0" smtClean="0">
                 <a:cs typeface="B Nazanin" panose="00000400000000000000" pitchFamily="2" charset="-78"/>
               </a:rPr>
-              <a:t>عدم وجود بستر مناسب برای صنعت نیمه هادی و طراحی دیجیتال در </a:t>
-            </a:r>
-            <a:r>
-              <a:rPr lang="fa-IR" sz="3600" dirty="0" smtClean="0">
-                <a:cs typeface="B Nazanin" panose="00000400000000000000" pitchFamily="2" charset="-78"/>
-              </a:rPr>
-              <a:t>کشور، در مرحله ساخت و تولید</a:t>
+              <a:t>عدم وجود بستر مناسب برای صنعت نیمه هادی و طراحی دیجیتال در کشور، در مرحله ساخت و تولید</a:t>
             </a:r>
             <a:endParaRPr lang="fa-IR" sz="3600" dirty="0">
               <a:cs typeface="B Nazanin" panose="00000400000000000000" pitchFamily="2" charset="-78"/>
@@ -4271,19 +4271,7 @@
               <a:rPr lang="fa-IR" sz="3600" dirty="0" smtClean="0">
                 <a:cs typeface="B Nazanin" panose="00000400000000000000" pitchFamily="2" charset="-78"/>
               </a:rPr>
-              <a:t>3- عدم دسترسی به نرم افزار های تخصصی و صنعتی سنتز و </a:t>
-            </a:r>
-            <a:r>
-              <a:rPr lang="fa-IR" sz="3600" dirty="0" smtClean="0">
-                <a:cs typeface="B Nazanin" panose="00000400000000000000" pitchFamily="2" charset="-78"/>
-              </a:rPr>
-              <a:t>تبدیل </a:t>
-            </a:r>
-            <a:r>
-              <a:rPr lang="fa-IR" sz="3600" dirty="0" smtClean="0">
-                <a:cs typeface="B Nazanin" panose="00000400000000000000" pitchFamily="2" charset="-78"/>
-              </a:rPr>
-              <a:t>به مدار مجتمع فشرده</a:t>
+              <a:t>3- عدم دسترسی به نرم افزار های تخصصی و صنعتی سنتز و تبدیل به مدار مجتمع فشرده</a:t>
             </a:r>
             <a:endParaRPr lang="fa-IR" sz="3600" dirty="0">
               <a:cs typeface="B Nazanin" panose="00000400000000000000" pitchFamily="2" charset="-78"/>
@@ -4974,19 +4962,7 @@
               <a:rPr lang="fa-IR" sz="3600" dirty="0" smtClean="0">
                 <a:cs typeface="B Nazanin" panose="00000400000000000000" pitchFamily="2" charset="-78"/>
               </a:rPr>
-              <a:t>3- سنتز و تبدیل کد پردازنده به طرح </a:t>
-            </a:r>
-            <a:r>
-              <a:rPr lang="fa-IR" sz="3600" dirty="0" smtClean="0">
-                <a:cs typeface="B Nazanin" panose="00000400000000000000" pitchFamily="2" charset="-78"/>
-              </a:rPr>
-              <a:t>فیزیکی </a:t>
-            </a:r>
-            <a:r>
-              <a:rPr lang="fa-IR" sz="3600" dirty="0" smtClean="0">
-                <a:cs typeface="B Nazanin" panose="00000400000000000000" pitchFamily="2" charset="-78"/>
-              </a:rPr>
-              <a:t>تراشه با استفاده از ابزار های موجود برای انجام فرآیند </a:t>
+              <a:t>3- سنتز و تبدیل کد پردازنده به طرح فیزیکی تراشه با استفاده از ابزار های موجود برای انجام فرآیند </a:t>
             </a:r>
             <a:r>
               <a:rPr lang="en-US" sz="3600" dirty="0" smtClean="0">
@@ -5290,31 +5266,19 @@
               <a:rPr lang="fa-IR" sz="3600" dirty="0" smtClean="0">
                 <a:cs typeface="B Nazanin" panose="00000400000000000000" pitchFamily="2" charset="-78"/>
               </a:rPr>
-              <a:t> فرکانس کاری 250 مگاهرتز و قابل مقایسه با پردازنده های معروف و </a:t>
+              <a:t> فرکانس کاری 250 مگاهرتز و قابل مقایسه با پردازنده های معروف و صنعتی </a:t>
+            </a:r>
+            <a:r>
+              <a:rPr lang="en-US" sz="3600" dirty="0" smtClean="0">
+                <a:cs typeface="B Nazanin" panose="00000400000000000000" pitchFamily="2" charset="-78"/>
+              </a:rPr>
+              <a:t>ARM</a:t>
             </a:r>
             <a:r>
               <a:rPr lang="fa-IR" sz="3600" dirty="0" smtClean="0">
                 <a:cs typeface="B Nazanin" panose="00000400000000000000" pitchFamily="2" charset="-78"/>
               </a:rPr>
-              <a:t>صنعتی </a:t>
-            </a:r>
-            <a:r>
-              <a:rPr lang="en-US" sz="3600" dirty="0" smtClean="0">
-                <a:cs typeface="B Nazanin" panose="00000400000000000000" pitchFamily="2" charset="-78"/>
-              </a:rPr>
-              <a:t>ARM</a:t>
-            </a:r>
-            <a:r>
-              <a:rPr lang="fa-IR" sz="3600" dirty="0" smtClean="0">
-                <a:cs typeface="B Nazanin" panose="00000400000000000000" pitchFamily="2" charset="-78"/>
-              </a:rPr>
-              <a:t> </a:t>
-            </a:r>
-            <a:r>
-              <a:rPr lang="fa-IR" sz="3600" dirty="0" smtClean="0">
-                <a:cs typeface="B Nazanin" panose="00000400000000000000" pitchFamily="2" charset="-78"/>
-              </a:rPr>
-              <a:t>در درسته</a:t>
+              <a:t> در درسته</a:t>
             </a:r>
             <a:r>
               <a:rPr lang="en-US" sz="3600" dirty="0" smtClean="0">
